--- a/JS Test.pptx
+++ b/JS Test.pptx
@@ -5489,19 +5489,7 @@
             </a:r>
             <a:r>
               <a:rPr lang="en-US" altLang="zh-CN" b="1" dirty="0" smtClean="0"/>
-              <a:t>). </a:t>
-            </a:r>
-            <a:r>
-              <a:rPr lang="en-US" altLang="zh-CN" b="1" dirty="0" smtClean="0">
-                <a:solidFill>
-                  <a:srgbClr val="00B050"/>
-                </a:solidFill>
-              </a:rPr>
-              <a:t>Fast</a:t>
-            </a:r>
-            <a:r>
-              <a:rPr lang="en-US" altLang="zh-CN" b="1" dirty="0" smtClean="0"/>
-              <a:t>. </a:t>
+              <a:t>). Fast. </a:t>
             </a:r>
             <a:endParaRPr lang="en-US" altLang="zh-CN" b="1" dirty="0" smtClean="0"/>
           </a:p>
@@ -5616,7 +5604,7 @@
         <p:spPr/>
         <p:txBody>
           <a:bodyPr>
-            <a:normAutofit/>
+            <a:normAutofit fontScale="90000"/>
           </a:bodyPr>
           <a:lstStyle/>
           <a:p>
@@ -5633,6 +5621,10 @@
               <a:t>渲染到</a:t>
             </a:r>
             <a:r>
+              <a:rPr lang="zh-CN" altLang="en-US" b="1" dirty="0"/>
+              <a:t>真实</a:t>
+            </a:r>
+            <a:r>
               <a:rPr lang="en-US" b="1" dirty="0" smtClean="0"/>
               <a:t>DOM</a:t>
             </a:r>
@@ -5662,18 +5654,6 @@
             <a:r>
               <a:rPr lang="en-US" b="1" dirty="0" smtClean="0"/>
               <a:t>window, document and navigator. </a:t>
-            </a:r>
-            <a:r>
-              <a:rPr lang="en-US" b="1" dirty="0" smtClean="0">
-                <a:solidFill>
-                  <a:srgbClr val="FFC000"/>
-                </a:solidFill>
-              </a:rPr>
-              <a:t>Slow</a:t>
-            </a:r>
-            <a:r>
-              <a:rPr lang="en-US" b="1" dirty="0" smtClean="0"/>
-              <a:t>. </a:t>
             </a:r>
             <a:endParaRPr lang="en-US" b="1" dirty="0" smtClean="0"/>
           </a:p>
@@ -6640,7 +6620,7 @@
         <p:spPr/>
         <p:txBody>
           <a:bodyPr>
-            <a:normAutofit/>
+            <a:normAutofit fontScale="90000"/>
           </a:bodyPr>
           <a:lstStyle/>
           <a:p>
@@ -6656,7 +6636,7 @@
               <a:rPr lang="zh-CN" altLang="en-US" b="1" dirty="0">
                 <a:sym typeface="+mn-ea"/>
               </a:rPr>
-              <a:t>渲染到</a:t>
+              <a:t>渲染到真实</a:t>
             </a:r>
             <a:r>
               <a:rPr lang="en-US" b="1" dirty="0" smtClean="0">

--- a/JS Test.pptx
+++ b/JS Test.pptx
@@ -5,26 +5,26 @@
     <p:sldMasterId id="2147483648" r:id="rId1"/>
   </p:sldMasterIdLst>
   <p:notesMasterIdLst>
-    <p:notesMasterId r:id="rId10"/>
+    <p:notesMasterId r:id="rId19"/>
   </p:notesMasterIdLst>
   <p:sldIdLst>
-    <p:sldId id="256" r:id="rId3"/>
-    <p:sldId id="278" r:id="rId4"/>
-    <p:sldId id="259" r:id="rId5"/>
-    <p:sldId id="257" r:id="rId6"/>
-    <p:sldId id="258" r:id="rId7"/>
-    <p:sldId id="260" r:id="rId8"/>
-    <p:sldId id="261" r:id="rId9"/>
-    <p:sldId id="262" r:id="rId11"/>
-    <p:sldId id="263" r:id="rId12"/>
-    <p:sldId id="264" r:id="rId13"/>
-    <p:sldId id="271" r:id="rId14"/>
-    <p:sldId id="265" r:id="rId15"/>
-    <p:sldId id="266" r:id="rId16"/>
-    <p:sldId id="267" r:id="rId17"/>
-    <p:sldId id="268" r:id="rId18"/>
-    <p:sldId id="269" r:id="rId19"/>
-    <p:sldId id="270" r:id="rId20"/>
+    <p:sldId id="256" r:id="rId2"/>
+    <p:sldId id="278" r:id="rId3"/>
+    <p:sldId id="259" r:id="rId4"/>
+    <p:sldId id="257" r:id="rId5"/>
+    <p:sldId id="258" r:id="rId6"/>
+    <p:sldId id="260" r:id="rId7"/>
+    <p:sldId id="261" r:id="rId8"/>
+    <p:sldId id="262" r:id="rId9"/>
+    <p:sldId id="263" r:id="rId10"/>
+    <p:sldId id="264" r:id="rId11"/>
+    <p:sldId id="271" r:id="rId12"/>
+    <p:sldId id="265" r:id="rId13"/>
+    <p:sldId id="266" r:id="rId14"/>
+    <p:sldId id="267" r:id="rId15"/>
+    <p:sldId id="268" r:id="rId16"/>
+    <p:sldId id="269" r:id="rId17"/>
+    <p:sldId id="270" r:id="rId18"/>
   </p:sldIdLst>
   <p:sldSz cx="12192000" cy="6858000"/>
   <p:notesSz cx="6858000" cy="9144000"/>
@@ -123,6 +123,11 @@
       </a:defRPr>
     </a:lvl9pPr>
   </p:defaultTextStyle>
+  <p:extLst>
+    <p:ext uri="{EFAFB233-063F-42B5-8137-9DF3F51BA10A}">
+      <p15:sldGuideLst xmlns:p15="http://schemas.microsoft.com/office/powerpoint/2012/main"/>
+    </p:ext>
+  </p:extLst>
 </p:presentation>
 </file>
 
@@ -208,6 +213,7 @@
           <a:p>
             <a:fld id="{8DF4B637-EDD6-42B8-B6A9-084FBB3FE1D3}" type="datetimeFigureOut">
               <a:rPr lang="en-US" smtClean="0"/>
+              <a:t>10/18/2016</a:t>
             </a:fld>
             <a:endParaRPr lang="en-US"/>
           </a:p>
@@ -274,7 +280,6 @@
               <a:rPr lang="en-US" smtClean="0"/>
               <a:t>Edit Master text styles</a:t>
             </a:r>
-            <a:endParaRPr lang="en-US" smtClean="0"/>
           </a:p>
           <a:p>
             <a:pPr lvl="1"/>
@@ -282,7 +287,6 @@
               <a:rPr lang="en-US" smtClean="0"/>
               <a:t>Second level</a:t>
             </a:r>
-            <a:endParaRPr lang="en-US" smtClean="0"/>
           </a:p>
           <a:p>
             <a:pPr lvl="2"/>
@@ -290,7 +294,6 @@
               <a:rPr lang="en-US" smtClean="0"/>
               <a:t>Third level</a:t>
             </a:r>
-            <a:endParaRPr lang="en-US" smtClean="0"/>
           </a:p>
           <a:p>
             <a:pPr lvl="3"/>
@@ -298,7 +301,6 @@
               <a:rPr lang="en-US" smtClean="0"/>
               <a:t>Fourth level</a:t>
             </a:r>
-            <a:endParaRPr lang="en-US" smtClean="0"/>
           </a:p>
           <a:p>
             <a:pPr lvl="4"/>
@@ -370,6 +372,7 @@
           <a:p>
             <a:fld id="{1E5C1014-AF70-47F7-8182-04506A5D7499}" type="slidenum">
               <a:rPr lang="en-US" smtClean="0"/>
+              <a:t>‹#›</a:t>
             </a:fld>
             <a:endParaRPr lang="en-US"/>
           </a:p>
@@ -538,6 +541,7 @@
           <a:p>
             <a:fld id="{1E5C1014-AF70-47F7-8182-04506A5D7499}" type="slidenum">
               <a:rPr lang="en-US" smtClean="0"/>
+              <a:t>7</a:t>
             </a:fld>
             <a:endParaRPr lang="en-US"/>
           </a:p>
@@ -616,6 +620,7 @@
           <a:p>
             <a:fld id="{1E5C1014-AF70-47F7-8182-04506A5D7499}" type="slidenum">
               <a:rPr lang="en-US" smtClean="0"/>
+              <a:t>8</a:t>
             </a:fld>
             <a:endParaRPr lang="en-US"/>
           </a:p>
@@ -694,6 +699,7 @@
           <a:p>
             <a:fld id="{1E5C1014-AF70-47F7-8182-04506A5D7499}" type="slidenum">
               <a:rPr lang="en-US" smtClean="0"/>
+              <a:t>12</a:t>
             </a:fld>
             <a:endParaRPr lang="en-US"/>
           </a:p>
@@ -762,7 +768,6 @@
               <a:rPr lang="en-US" dirty="0" smtClean="0"/>
               <a:t>java -jar selenium-server-standalone-3.0.0-beta3.jar</a:t>
             </a:r>
-            <a:endParaRPr lang="en-US" dirty="0" smtClean="0"/>
           </a:p>
           <a:p>
             <a:endParaRPr lang="en-US" dirty="0" smtClean="0"/>
@@ -772,7 +777,6 @@
               <a:rPr lang="en-US" dirty="0" smtClean="0"/>
               <a:t>[1]</a:t>
             </a:r>
-            <a:endParaRPr lang="en-US" dirty="0" smtClean="0"/>
           </a:p>
           <a:p>
             <a:r>
@@ -837,6 +841,221 @@
                 <a:cs typeface="+mn-cs"/>
               </a:rPr>
               <a:t>-test</a:t>
+            </a:r>
+          </a:p>
+          <a:p>
+            <a:r>
+              <a:rPr lang="en-US" dirty="0" smtClean="0"/>
+              <a:t>node run-webdriverio-search-yahoo.js</a:t>
+            </a:r>
+          </a:p>
+          <a:p>
+            <a:endParaRPr lang="en-US" dirty="0" smtClean="0"/>
+          </a:p>
+          <a:p>
+            <a:r>
+              <a:rPr lang="en-US" dirty="0" smtClean="0"/>
+              <a:t>[2]</a:t>
+            </a:r>
+          </a:p>
+          <a:p>
+            <a:r>
+              <a:rPr lang="en-US" dirty="0" smtClean="0"/>
+              <a:t>cd</a:t>
+            </a:r>
+            <a:r>
+              <a:rPr lang="en-US" baseline="0" dirty="0" smtClean="0"/>
+              <a:t> </a:t>
+            </a:r>
+            <a:r>
+              <a:rPr lang="en-US" sz="1200" kern="1200" dirty="0" smtClean="0">
+                <a:solidFill>
+                  <a:schemeClr val="tx1"/>
+                </a:solidFill>
+                <a:latin typeface="+mn-lt"/>
+                <a:ea typeface="+mn-ea"/>
+                <a:cs typeface="+mn-cs"/>
+              </a:rPr>
+              <a:t>/d/doc/Dev/</a:t>
+            </a:r>
+            <a:r>
+              <a:rPr lang="en-US" sz="1200" kern="1200" dirty="0" err="1" smtClean="0">
+                <a:solidFill>
+                  <a:schemeClr val="tx1"/>
+                </a:solidFill>
+                <a:latin typeface="+mn-lt"/>
+                <a:ea typeface="+mn-ea"/>
+                <a:cs typeface="+mn-cs"/>
+              </a:rPr>
+              <a:t>javascript</a:t>
+            </a:r>
+            <a:r>
+              <a:rPr lang="en-US" sz="1200" kern="1200" dirty="0" smtClean="0">
+                <a:solidFill>
+                  <a:schemeClr val="tx1"/>
+                </a:solidFill>
+                <a:latin typeface="+mn-lt"/>
+                <a:ea typeface="+mn-ea"/>
+                <a:cs typeface="+mn-cs"/>
+              </a:rPr>
+              <a:t>-me/selenium-</a:t>
+            </a:r>
+            <a:r>
+              <a:rPr lang="en-US" sz="1200" kern="1200" dirty="0" err="1" smtClean="0">
+                <a:solidFill>
+                  <a:schemeClr val="tx1"/>
+                </a:solidFill>
+                <a:latin typeface="+mn-lt"/>
+                <a:ea typeface="+mn-ea"/>
+                <a:cs typeface="+mn-cs"/>
+              </a:rPr>
+              <a:t>webdriver</a:t>
+            </a:r>
+            <a:r>
+              <a:rPr lang="en-US" sz="1200" kern="1200" dirty="0" smtClean="0">
+                <a:solidFill>
+                  <a:schemeClr val="tx1"/>
+                </a:solidFill>
+                <a:latin typeface="+mn-lt"/>
+                <a:ea typeface="+mn-ea"/>
+                <a:cs typeface="+mn-cs"/>
+              </a:rPr>
+              <a:t>-test</a:t>
+            </a:r>
+          </a:p>
+          <a:p>
+            <a:r>
+              <a:rPr lang="en-US" dirty="0" err="1" smtClean="0"/>
+              <a:t>wdio</a:t>
+            </a:r>
+            <a:r>
+              <a:rPr lang="en-US" dirty="0" smtClean="0"/>
+              <a:t> wdio.conf.js</a:t>
+            </a:r>
+          </a:p>
+          <a:p>
+            <a:endParaRPr lang="en-US" dirty="0" smtClean="0"/>
+          </a:p>
+          <a:p>
+            <a:r>
+              <a:rPr lang="en-US" dirty="0" smtClean="0"/>
+              <a:t>[3]</a:t>
+            </a:r>
+          </a:p>
+          <a:p>
+            <a:r>
+              <a:rPr lang="en-US" sz="1200" kern="1200" dirty="0" smtClean="0">
+                <a:solidFill>
+                  <a:schemeClr val="tx1"/>
+                </a:solidFill>
+                <a:latin typeface="+mn-lt"/>
+                <a:ea typeface="+mn-ea"/>
+                <a:cs typeface="+mn-cs"/>
+              </a:rPr>
+              <a:t>cd</a:t>
+            </a:r>
+            <a:r>
+              <a:rPr lang="en-US" sz="1200" kern="1200" baseline="0" dirty="0" smtClean="0">
+                <a:solidFill>
+                  <a:schemeClr val="tx1"/>
+                </a:solidFill>
+                <a:latin typeface="+mn-lt"/>
+                <a:ea typeface="+mn-ea"/>
+                <a:cs typeface="+mn-cs"/>
+              </a:rPr>
+              <a:t> </a:t>
+            </a:r>
+            <a:r>
+              <a:rPr lang="en-US" sz="1200" kern="1200" dirty="0" smtClean="0">
+                <a:solidFill>
+                  <a:schemeClr val="tx1"/>
+                </a:solidFill>
+                <a:latin typeface="+mn-lt"/>
+                <a:ea typeface="+mn-ea"/>
+                <a:cs typeface="+mn-cs"/>
+              </a:rPr>
+              <a:t>/d/doc/Dev/</a:t>
+            </a:r>
+            <a:r>
+              <a:rPr lang="en-US" sz="1200" kern="1200" dirty="0" err="1" smtClean="0">
+                <a:solidFill>
+                  <a:schemeClr val="tx1"/>
+                </a:solidFill>
+                <a:latin typeface="+mn-lt"/>
+                <a:ea typeface="+mn-ea"/>
+                <a:cs typeface="+mn-cs"/>
+              </a:rPr>
+              <a:t>javascript</a:t>
+            </a:r>
+            <a:r>
+              <a:rPr lang="en-US" sz="1200" kern="1200" dirty="0" smtClean="0">
+                <a:solidFill>
+                  <a:schemeClr val="tx1"/>
+                </a:solidFill>
+                <a:latin typeface="+mn-lt"/>
+                <a:ea typeface="+mn-ea"/>
+                <a:cs typeface="+mn-cs"/>
+              </a:rPr>
+              <a:t>-me/karma-seed</a:t>
+            </a:r>
+          </a:p>
+          <a:p>
+            <a:r>
+              <a:rPr lang="en-US" sz="1200" kern="1200" dirty="0" err="1" smtClean="0">
+                <a:solidFill>
+                  <a:schemeClr val="tx1"/>
+                </a:solidFill>
+                <a:latin typeface="+mn-lt"/>
+                <a:ea typeface="+mn-ea"/>
+                <a:cs typeface="+mn-cs"/>
+              </a:rPr>
+              <a:t>npm</a:t>
+            </a:r>
+            <a:r>
+              <a:rPr lang="en-US" sz="1200" kern="1200" dirty="0" smtClean="0">
+                <a:solidFill>
+                  <a:schemeClr val="tx1"/>
+                </a:solidFill>
+                <a:latin typeface="+mn-lt"/>
+                <a:ea typeface="+mn-ea"/>
+                <a:cs typeface="+mn-cs"/>
+              </a:rPr>
+              <a:t> run</a:t>
+            </a:r>
+            <a:r>
+              <a:rPr lang="en-US" sz="1200" kern="1200" baseline="0" dirty="0" smtClean="0">
+                <a:solidFill>
+                  <a:schemeClr val="tx1"/>
+                </a:solidFill>
+                <a:latin typeface="+mn-lt"/>
+                <a:ea typeface="+mn-ea"/>
+                <a:cs typeface="+mn-cs"/>
+              </a:rPr>
+              <a:t> test</a:t>
+            </a:r>
+          </a:p>
+          <a:p>
+            <a:r>
+              <a:rPr lang="en-US" sz="1200" kern="1200" baseline="0" dirty="0" err="1" smtClean="0">
+                <a:solidFill>
+                  <a:schemeClr val="tx1"/>
+                </a:solidFill>
+                <a:latin typeface="+mn-lt"/>
+                <a:ea typeface="+mn-ea"/>
+                <a:cs typeface="+mn-cs"/>
+              </a:rPr>
+              <a:t>npm</a:t>
+            </a:r>
+            <a:r>
+              <a:rPr lang="en-US" sz="1200" kern="1200" baseline="0" dirty="0" smtClean="0">
+                <a:solidFill>
+                  <a:schemeClr val="tx1"/>
+                </a:solidFill>
+                <a:latin typeface="+mn-lt"/>
+                <a:ea typeface="+mn-ea"/>
+                <a:cs typeface="+mn-cs"/>
+              </a:rPr>
+              <a:t> run full-test</a:t>
             </a:r>
             <a:endParaRPr lang="en-US" sz="1200" kern="1200" dirty="0" smtClean="0">
               <a:solidFill>
@@ -848,257 +1067,6 @@
             </a:endParaRPr>
           </a:p>
           <a:p>
-            <a:r>
-              <a:rPr lang="en-US" dirty="0" smtClean="0"/>
-              <a:t>node run-webdriverio-search-yahoo.js</a:t>
-            </a:r>
-            <a:endParaRPr lang="en-US" dirty="0" smtClean="0"/>
-          </a:p>
-          <a:p>
-            <a:endParaRPr lang="en-US" dirty="0" smtClean="0"/>
-          </a:p>
-          <a:p>
-            <a:r>
-              <a:rPr lang="en-US" dirty="0" smtClean="0"/>
-              <a:t>[2]</a:t>
-            </a:r>
-            <a:endParaRPr lang="en-US" dirty="0" smtClean="0"/>
-          </a:p>
-          <a:p>
-            <a:r>
-              <a:rPr lang="en-US" dirty="0" smtClean="0"/>
-              <a:t>cd</a:t>
-            </a:r>
-            <a:r>
-              <a:rPr lang="en-US" baseline="0" dirty="0" smtClean="0"/>
-              <a:t> </a:t>
-            </a:r>
-            <a:r>
-              <a:rPr lang="en-US" sz="1200" kern="1200" dirty="0" smtClean="0">
-                <a:solidFill>
-                  <a:schemeClr val="tx1"/>
-                </a:solidFill>
-                <a:latin typeface="+mn-lt"/>
-                <a:ea typeface="+mn-ea"/>
-                <a:cs typeface="+mn-cs"/>
-              </a:rPr>
-              <a:t>/d/doc/Dev/</a:t>
-            </a:r>
-            <a:r>
-              <a:rPr lang="en-US" sz="1200" kern="1200" dirty="0" err="1" smtClean="0">
-                <a:solidFill>
-                  <a:schemeClr val="tx1"/>
-                </a:solidFill>
-                <a:latin typeface="+mn-lt"/>
-                <a:ea typeface="+mn-ea"/>
-                <a:cs typeface="+mn-cs"/>
-              </a:rPr>
-              <a:t>javascript</a:t>
-            </a:r>
-            <a:r>
-              <a:rPr lang="en-US" sz="1200" kern="1200" dirty="0" smtClean="0">
-                <a:solidFill>
-                  <a:schemeClr val="tx1"/>
-                </a:solidFill>
-                <a:latin typeface="+mn-lt"/>
-                <a:ea typeface="+mn-ea"/>
-                <a:cs typeface="+mn-cs"/>
-              </a:rPr>
-              <a:t>-me/selenium-</a:t>
-            </a:r>
-            <a:r>
-              <a:rPr lang="en-US" sz="1200" kern="1200" dirty="0" err="1" smtClean="0">
-                <a:solidFill>
-                  <a:schemeClr val="tx1"/>
-                </a:solidFill>
-                <a:latin typeface="+mn-lt"/>
-                <a:ea typeface="+mn-ea"/>
-                <a:cs typeface="+mn-cs"/>
-              </a:rPr>
-              <a:t>webdriver</a:t>
-            </a:r>
-            <a:r>
-              <a:rPr lang="en-US" sz="1200" kern="1200" dirty="0" smtClean="0">
-                <a:solidFill>
-                  <a:schemeClr val="tx1"/>
-                </a:solidFill>
-                <a:latin typeface="+mn-lt"/>
-                <a:ea typeface="+mn-ea"/>
-                <a:cs typeface="+mn-cs"/>
-              </a:rPr>
-              <a:t>-test</a:t>
-            </a:r>
-            <a:endParaRPr lang="en-US" sz="1200" kern="1200" dirty="0" smtClean="0">
-              <a:solidFill>
-                <a:schemeClr val="tx1"/>
-              </a:solidFill>
-              <a:latin typeface="+mn-lt"/>
-              <a:ea typeface="+mn-ea"/>
-              <a:cs typeface="+mn-cs"/>
-            </a:endParaRPr>
-          </a:p>
-          <a:p>
-            <a:r>
-              <a:rPr lang="en-US" dirty="0" err="1" smtClean="0"/>
-              <a:t>wdio</a:t>
-            </a:r>
-            <a:r>
-              <a:rPr lang="en-US" dirty="0" smtClean="0"/>
-              <a:t> wdio.conf.js</a:t>
-            </a:r>
-            <a:endParaRPr lang="en-US" dirty="0" smtClean="0"/>
-          </a:p>
-          <a:p>
-            <a:endParaRPr lang="en-US" dirty="0" smtClean="0"/>
-          </a:p>
-          <a:p>
-            <a:r>
-              <a:rPr lang="en-US" dirty="0" smtClean="0"/>
-              <a:t>[3]</a:t>
-            </a:r>
-            <a:endParaRPr lang="en-US" dirty="0" smtClean="0"/>
-          </a:p>
-          <a:p>
-            <a:r>
-              <a:rPr lang="en-US" sz="1200" kern="1200" dirty="0" smtClean="0">
-                <a:solidFill>
-                  <a:schemeClr val="tx1"/>
-                </a:solidFill>
-                <a:latin typeface="+mn-lt"/>
-                <a:ea typeface="+mn-ea"/>
-                <a:cs typeface="+mn-cs"/>
-              </a:rPr>
-              <a:t>cd</a:t>
-            </a:r>
-            <a:r>
-              <a:rPr lang="en-US" sz="1200" kern="1200" baseline="0" dirty="0" smtClean="0">
-                <a:solidFill>
-                  <a:schemeClr val="tx1"/>
-                </a:solidFill>
-                <a:latin typeface="+mn-lt"/>
-                <a:ea typeface="+mn-ea"/>
-                <a:cs typeface="+mn-cs"/>
-              </a:rPr>
-              <a:t> </a:t>
-            </a:r>
-            <a:r>
-              <a:rPr lang="en-US" sz="1200" kern="1200" dirty="0" smtClean="0">
-                <a:solidFill>
-                  <a:schemeClr val="tx1"/>
-                </a:solidFill>
-                <a:latin typeface="+mn-lt"/>
-                <a:ea typeface="+mn-ea"/>
-                <a:cs typeface="+mn-cs"/>
-              </a:rPr>
-              <a:t>/d/doc/Dev/</a:t>
-            </a:r>
-            <a:r>
-              <a:rPr lang="en-US" sz="1200" kern="1200" dirty="0" err="1" smtClean="0">
-                <a:solidFill>
-                  <a:schemeClr val="tx1"/>
-                </a:solidFill>
-                <a:latin typeface="+mn-lt"/>
-                <a:ea typeface="+mn-ea"/>
-                <a:cs typeface="+mn-cs"/>
-              </a:rPr>
-              <a:t>javascript</a:t>
-            </a:r>
-            <a:r>
-              <a:rPr lang="en-US" sz="1200" kern="1200" dirty="0" smtClean="0">
-                <a:solidFill>
-                  <a:schemeClr val="tx1"/>
-                </a:solidFill>
-                <a:latin typeface="+mn-lt"/>
-                <a:ea typeface="+mn-ea"/>
-                <a:cs typeface="+mn-cs"/>
-              </a:rPr>
-              <a:t>-me/karma-seed</a:t>
-            </a:r>
-            <a:endParaRPr lang="en-US" sz="1200" kern="1200" dirty="0" smtClean="0">
-              <a:solidFill>
-                <a:schemeClr val="tx1"/>
-              </a:solidFill>
-              <a:latin typeface="+mn-lt"/>
-              <a:ea typeface="+mn-ea"/>
-              <a:cs typeface="+mn-cs"/>
-            </a:endParaRPr>
-          </a:p>
-          <a:p>
-            <a:r>
-              <a:rPr lang="en-US" sz="1200" kern="1200" dirty="0" err="1" smtClean="0">
-                <a:solidFill>
-                  <a:schemeClr val="tx1"/>
-                </a:solidFill>
-                <a:latin typeface="+mn-lt"/>
-                <a:ea typeface="+mn-ea"/>
-                <a:cs typeface="+mn-cs"/>
-              </a:rPr>
-              <a:t>npm</a:t>
-            </a:r>
-            <a:r>
-              <a:rPr lang="en-US" sz="1200" kern="1200" dirty="0" smtClean="0">
-                <a:solidFill>
-                  <a:schemeClr val="tx1"/>
-                </a:solidFill>
-                <a:latin typeface="+mn-lt"/>
-                <a:ea typeface="+mn-ea"/>
-                <a:cs typeface="+mn-cs"/>
-              </a:rPr>
-              <a:t> run</a:t>
-            </a:r>
-            <a:r>
-              <a:rPr lang="en-US" sz="1200" kern="1200" baseline="0" dirty="0" smtClean="0">
-                <a:solidFill>
-                  <a:schemeClr val="tx1"/>
-                </a:solidFill>
-                <a:latin typeface="+mn-lt"/>
-                <a:ea typeface="+mn-ea"/>
-                <a:cs typeface="+mn-cs"/>
-              </a:rPr>
-              <a:t> test</a:t>
-            </a:r>
-            <a:endParaRPr lang="en-US" sz="1200" kern="1200" baseline="0" dirty="0" smtClean="0">
-              <a:solidFill>
-                <a:schemeClr val="tx1"/>
-              </a:solidFill>
-              <a:latin typeface="+mn-lt"/>
-              <a:ea typeface="+mn-ea"/>
-              <a:cs typeface="+mn-cs"/>
-            </a:endParaRPr>
-          </a:p>
-          <a:p>
-            <a:r>
-              <a:rPr lang="en-US" sz="1200" kern="1200" baseline="0" dirty="0" err="1" smtClean="0">
-                <a:solidFill>
-                  <a:schemeClr val="tx1"/>
-                </a:solidFill>
-                <a:latin typeface="+mn-lt"/>
-                <a:ea typeface="+mn-ea"/>
-                <a:cs typeface="+mn-cs"/>
-              </a:rPr>
-              <a:t>npm</a:t>
-            </a:r>
-            <a:r>
-              <a:rPr lang="en-US" sz="1200" kern="1200" baseline="0" dirty="0" smtClean="0">
-                <a:solidFill>
-                  <a:schemeClr val="tx1"/>
-                </a:solidFill>
-                <a:latin typeface="+mn-lt"/>
-                <a:ea typeface="+mn-ea"/>
-                <a:cs typeface="+mn-cs"/>
-              </a:rPr>
-              <a:t> run full-test</a:t>
-            </a:r>
-            <a:endParaRPr lang="en-US" sz="1200" kern="1200" dirty="0" smtClean="0">
-              <a:solidFill>
-                <a:schemeClr val="tx1"/>
-              </a:solidFill>
-              <a:latin typeface="+mn-lt"/>
-              <a:ea typeface="+mn-ea"/>
-              <a:cs typeface="+mn-cs"/>
-            </a:endParaRPr>
-          </a:p>
-          <a:p>
             <a:endParaRPr lang="en-US" dirty="0" smtClean="0"/>
           </a:p>
           <a:p>
@@ -1123,6 +1091,7 @@
           <a:p>
             <a:fld id="{1E5C1014-AF70-47F7-8182-04506A5D7499}" type="slidenum">
               <a:rPr lang="en-US" smtClean="0"/>
+              <a:t>15</a:t>
             </a:fld>
             <a:endParaRPr lang="en-US"/>
           </a:p>
@@ -1200,7 +1169,6 @@
               <a:rPr lang="en-US" dirty="0" smtClean="0"/>
               <a:t>D:\Doc\Dev\javascript-me\karma-seed\coverage\Chrome 53.0.2785 (Windows 10 0.0.0)\index.html</a:t>
             </a:r>
-            <a:endParaRPr lang="en-US" dirty="0" smtClean="0"/>
           </a:p>
           <a:p>
             <a:endParaRPr lang="en-US" dirty="0"/>
@@ -1224,6 +1192,7 @@
           <a:p>
             <a:fld id="{1E5C1014-AF70-47F7-8182-04506A5D7499}" type="slidenum">
               <a:rPr lang="en-US" smtClean="0"/>
+              <a:t>16</a:t>
             </a:fld>
             <a:endParaRPr lang="en-US"/>
           </a:p>
@@ -1368,6 +1337,7 @@
           <a:p>
             <a:fld id="{75AFA9B6-ED5F-4699-BA4F-BBD7691DE064}" type="datetimeFigureOut">
               <a:rPr lang="en-US" smtClean="0"/>
+              <a:t>10/18/2016</a:t>
             </a:fld>
             <a:endParaRPr lang="en-US"/>
           </a:p>
@@ -1409,6 +1379,7 @@
           <a:p>
             <a:fld id="{954A5F3A-B271-4989-9218-B4AFFE8B7741}" type="slidenum">
               <a:rPr lang="en-US" smtClean="0"/>
+              <a:t>‹#›</a:t>
             </a:fld>
             <a:endParaRPr lang="en-US"/>
           </a:p>
@@ -1482,7 +1453,6 @@
               <a:rPr lang="en-US" smtClean="0"/>
               <a:t>Edit Master text styles</a:t>
             </a:r>
-            <a:endParaRPr lang="en-US" smtClean="0"/>
           </a:p>
           <a:p>
             <a:pPr lvl="1"/>
@@ -1490,7 +1460,6 @@
               <a:rPr lang="en-US" smtClean="0"/>
               <a:t>Second level</a:t>
             </a:r>
-            <a:endParaRPr lang="en-US" smtClean="0"/>
           </a:p>
           <a:p>
             <a:pPr lvl="2"/>
@@ -1498,7 +1467,6 @@
               <a:rPr lang="en-US" smtClean="0"/>
               <a:t>Third level</a:t>
             </a:r>
-            <a:endParaRPr lang="en-US" smtClean="0"/>
           </a:p>
           <a:p>
             <a:pPr lvl="3"/>
@@ -1506,7 +1474,6 @@
               <a:rPr lang="en-US" smtClean="0"/>
               <a:t>Fourth level</a:t>
             </a:r>
-            <a:endParaRPr lang="en-US" smtClean="0"/>
           </a:p>
           <a:p>
             <a:pPr lvl="4"/>
@@ -1535,6 +1502,7 @@
           <a:p>
             <a:fld id="{75AFA9B6-ED5F-4699-BA4F-BBD7691DE064}" type="datetimeFigureOut">
               <a:rPr lang="en-US" smtClean="0"/>
+              <a:t>10/18/2016</a:t>
             </a:fld>
             <a:endParaRPr lang="en-US"/>
           </a:p>
@@ -1576,6 +1544,7 @@
           <a:p>
             <a:fld id="{954A5F3A-B271-4989-9218-B4AFFE8B7741}" type="slidenum">
               <a:rPr lang="en-US" smtClean="0"/>
+              <a:t>‹#›</a:t>
             </a:fld>
             <a:endParaRPr lang="en-US"/>
           </a:p>
@@ -1659,7 +1628,6 @@
               <a:rPr lang="en-US" smtClean="0"/>
               <a:t>Edit Master text styles</a:t>
             </a:r>
-            <a:endParaRPr lang="en-US" smtClean="0"/>
           </a:p>
           <a:p>
             <a:pPr lvl="1"/>
@@ -1667,7 +1635,6 @@
               <a:rPr lang="en-US" smtClean="0"/>
               <a:t>Second level</a:t>
             </a:r>
-            <a:endParaRPr lang="en-US" smtClean="0"/>
           </a:p>
           <a:p>
             <a:pPr lvl="2"/>
@@ -1675,7 +1642,6 @@
               <a:rPr lang="en-US" smtClean="0"/>
               <a:t>Third level</a:t>
             </a:r>
-            <a:endParaRPr lang="en-US" smtClean="0"/>
           </a:p>
           <a:p>
             <a:pPr lvl="3"/>
@@ -1683,7 +1649,6 @@
               <a:rPr lang="en-US" smtClean="0"/>
               <a:t>Fourth level</a:t>
             </a:r>
-            <a:endParaRPr lang="en-US" smtClean="0"/>
           </a:p>
           <a:p>
             <a:pPr lvl="4"/>
@@ -1712,6 +1677,7 @@
           <a:p>
             <a:fld id="{75AFA9B6-ED5F-4699-BA4F-BBD7691DE064}" type="datetimeFigureOut">
               <a:rPr lang="en-US" smtClean="0"/>
+              <a:t>10/18/2016</a:t>
             </a:fld>
             <a:endParaRPr lang="en-US"/>
           </a:p>
@@ -1753,6 +1719,7 @@
           <a:p>
             <a:fld id="{954A5F3A-B271-4989-9218-B4AFFE8B7741}" type="slidenum">
               <a:rPr lang="en-US" smtClean="0"/>
+              <a:t>‹#›</a:t>
             </a:fld>
             <a:endParaRPr lang="en-US"/>
           </a:p>
@@ -1826,7 +1793,6 @@
               <a:rPr lang="en-US" smtClean="0"/>
               <a:t>Edit Master text styles</a:t>
             </a:r>
-            <a:endParaRPr lang="en-US" smtClean="0"/>
           </a:p>
           <a:p>
             <a:pPr lvl="1"/>
@@ -1834,7 +1800,6 @@
               <a:rPr lang="en-US" smtClean="0"/>
               <a:t>Second level</a:t>
             </a:r>
-            <a:endParaRPr lang="en-US" smtClean="0"/>
           </a:p>
           <a:p>
             <a:pPr lvl="2"/>
@@ -1842,7 +1807,6 @@
               <a:rPr lang="en-US" smtClean="0"/>
               <a:t>Third level</a:t>
             </a:r>
-            <a:endParaRPr lang="en-US" smtClean="0"/>
           </a:p>
           <a:p>
             <a:pPr lvl="3"/>
@@ -1850,7 +1814,6 @@
               <a:rPr lang="en-US" smtClean="0"/>
               <a:t>Fourth level</a:t>
             </a:r>
-            <a:endParaRPr lang="en-US" smtClean="0"/>
           </a:p>
           <a:p>
             <a:pPr lvl="4"/>
@@ -1879,6 +1842,7 @@
           <a:p>
             <a:fld id="{75AFA9B6-ED5F-4699-BA4F-BBD7691DE064}" type="datetimeFigureOut">
               <a:rPr lang="en-US" smtClean="0"/>
+              <a:t>10/18/2016</a:t>
             </a:fld>
             <a:endParaRPr lang="en-US"/>
           </a:p>
@@ -1920,6 +1884,7 @@
           <a:p>
             <a:fld id="{954A5F3A-B271-4989-9218-B4AFFE8B7741}" type="slidenum">
               <a:rPr lang="en-US" smtClean="0"/>
+              <a:t>‹#›</a:t>
             </a:fld>
             <a:endParaRPr lang="en-US"/>
           </a:p>
@@ -2098,7 +2063,6 @@
               <a:rPr lang="en-US" smtClean="0"/>
               <a:t>Edit Master text styles</a:t>
             </a:r>
-            <a:endParaRPr lang="en-US" smtClean="0"/>
           </a:p>
         </p:txBody>
       </p:sp>
@@ -2119,6 +2083,7 @@
           <a:p>
             <a:fld id="{75AFA9B6-ED5F-4699-BA4F-BBD7691DE064}" type="datetimeFigureOut">
               <a:rPr lang="en-US" smtClean="0"/>
+              <a:t>10/18/2016</a:t>
             </a:fld>
             <a:endParaRPr lang="en-US"/>
           </a:p>
@@ -2160,6 +2125,7 @@
           <a:p>
             <a:fld id="{954A5F3A-B271-4989-9218-B4AFFE8B7741}" type="slidenum">
               <a:rPr lang="en-US" smtClean="0"/>
+              <a:t>‹#›</a:t>
             </a:fld>
             <a:endParaRPr lang="en-US"/>
           </a:p>
@@ -2238,7 +2204,6 @@
               <a:rPr lang="en-US" smtClean="0"/>
               <a:t>Edit Master text styles</a:t>
             </a:r>
-            <a:endParaRPr lang="en-US" smtClean="0"/>
           </a:p>
           <a:p>
             <a:pPr lvl="1"/>
@@ -2246,7 +2211,6 @@
               <a:rPr lang="en-US" smtClean="0"/>
               <a:t>Second level</a:t>
             </a:r>
-            <a:endParaRPr lang="en-US" smtClean="0"/>
           </a:p>
           <a:p>
             <a:pPr lvl="2"/>
@@ -2254,7 +2218,6 @@
               <a:rPr lang="en-US" smtClean="0"/>
               <a:t>Third level</a:t>
             </a:r>
-            <a:endParaRPr lang="en-US" smtClean="0"/>
           </a:p>
           <a:p>
             <a:pPr lvl="3"/>
@@ -2262,7 +2225,6 @@
               <a:rPr lang="en-US" smtClean="0"/>
               <a:t>Fourth level</a:t>
             </a:r>
-            <a:endParaRPr lang="en-US" smtClean="0"/>
           </a:p>
           <a:p>
             <a:pPr lvl="4"/>
@@ -2299,7 +2261,6 @@
               <a:rPr lang="en-US" smtClean="0"/>
               <a:t>Edit Master text styles</a:t>
             </a:r>
-            <a:endParaRPr lang="en-US" smtClean="0"/>
           </a:p>
           <a:p>
             <a:pPr lvl="1"/>
@@ -2307,7 +2268,6 @@
               <a:rPr lang="en-US" smtClean="0"/>
               <a:t>Second level</a:t>
             </a:r>
-            <a:endParaRPr lang="en-US" smtClean="0"/>
           </a:p>
           <a:p>
             <a:pPr lvl="2"/>
@@ -2315,7 +2275,6 @@
               <a:rPr lang="en-US" smtClean="0"/>
               <a:t>Third level</a:t>
             </a:r>
-            <a:endParaRPr lang="en-US" smtClean="0"/>
           </a:p>
           <a:p>
             <a:pPr lvl="3"/>
@@ -2323,7 +2282,6 @@
               <a:rPr lang="en-US" smtClean="0"/>
               <a:t>Fourth level</a:t>
             </a:r>
-            <a:endParaRPr lang="en-US" smtClean="0"/>
           </a:p>
           <a:p>
             <a:pPr lvl="4"/>
@@ -2352,6 +2310,7 @@
           <a:p>
             <a:fld id="{75AFA9B6-ED5F-4699-BA4F-BBD7691DE064}" type="datetimeFigureOut">
               <a:rPr lang="en-US" smtClean="0"/>
+              <a:t>10/18/2016</a:t>
             </a:fld>
             <a:endParaRPr lang="en-US"/>
           </a:p>
@@ -2393,6 +2352,7 @@
           <a:p>
             <a:fld id="{954A5F3A-B271-4989-9218-B4AFFE8B7741}" type="slidenum">
               <a:rPr lang="en-US" smtClean="0"/>
+              <a:t>‹#›</a:t>
             </a:fld>
             <a:endParaRPr lang="en-US"/>
           </a:p>
@@ -2513,7 +2473,6 @@
               <a:rPr lang="en-US" smtClean="0"/>
               <a:t>Edit Master text styles</a:t>
             </a:r>
-            <a:endParaRPr lang="en-US" smtClean="0"/>
           </a:p>
         </p:txBody>
       </p:sp>
@@ -2542,7 +2501,6 @@
               <a:rPr lang="en-US" smtClean="0"/>
               <a:t>Edit Master text styles</a:t>
             </a:r>
-            <a:endParaRPr lang="en-US" smtClean="0"/>
           </a:p>
           <a:p>
             <a:pPr lvl="1"/>
@@ -2550,7 +2508,6 @@
               <a:rPr lang="en-US" smtClean="0"/>
               <a:t>Second level</a:t>
             </a:r>
-            <a:endParaRPr lang="en-US" smtClean="0"/>
           </a:p>
           <a:p>
             <a:pPr lvl="2"/>
@@ -2558,7 +2515,6 @@
               <a:rPr lang="en-US" smtClean="0"/>
               <a:t>Third level</a:t>
             </a:r>
-            <a:endParaRPr lang="en-US" smtClean="0"/>
           </a:p>
           <a:p>
             <a:pPr lvl="3"/>
@@ -2566,7 +2522,6 @@
               <a:rPr lang="en-US" smtClean="0"/>
               <a:t>Fourth level</a:t>
             </a:r>
-            <a:endParaRPr lang="en-US" smtClean="0"/>
           </a:p>
           <a:p>
             <a:pPr lvl="4"/>
@@ -2640,7 +2595,6 @@
               <a:rPr lang="en-US" smtClean="0"/>
               <a:t>Edit Master text styles</a:t>
             </a:r>
-            <a:endParaRPr lang="en-US" smtClean="0"/>
           </a:p>
         </p:txBody>
       </p:sp>
@@ -2669,7 +2623,6 @@
               <a:rPr lang="en-US" smtClean="0"/>
               <a:t>Edit Master text styles</a:t>
             </a:r>
-            <a:endParaRPr lang="en-US" smtClean="0"/>
           </a:p>
           <a:p>
             <a:pPr lvl="1"/>
@@ -2677,7 +2630,6 @@
               <a:rPr lang="en-US" smtClean="0"/>
               <a:t>Second level</a:t>
             </a:r>
-            <a:endParaRPr lang="en-US" smtClean="0"/>
           </a:p>
           <a:p>
             <a:pPr lvl="2"/>
@@ -2685,7 +2637,6 @@
               <a:rPr lang="en-US" smtClean="0"/>
               <a:t>Third level</a:t>
             </a:r>
-            <a:endParaRPr lang="en-US" smtClean="0"/>
           </a:p>
           <a:p>
             <a:pPr lvl="3"/>
@@ -2693,7 +2644,6 @@
               <a:rPr lang="en-US" smtClean="0"/>
               <a:t>Fourth level</a:t>
             </a:r>
-            <a:endParaRPr lang="en-US" smtClean="0"/>
           </a:p>
           <a:p>
             <a:pPr lvl="4"/>
@@ -2722,6 +2672,7 @@
           <a:p>
             <a:fld id="{75AFA9B6-ED5F-4699-BA4F-BBD7691DE064}" type="datetimeFigureOut">
               <a:rPr lang="en-US" smtClean="0"/>
+              <a:t>10/18/2016</a:t>
             </a:fld>
             <a:endParaRPr lang="en-US"/>
           </a:p>
@@ -2763,6 +2714,7 @@
           <a:p>
             <a:fld id="{954A5F3A-B271-4989-9218-B4AFFE8B7741}" type="slidenum">
               <a:rPr lang="en-US" smtClean="0"/>
+              <a:t>‹#›</a:t>
             </a:fld>
             <a:endParaRPr lang="en-US"/>
           </a:p>
@@ -2833,6 +2785,7 @@
           <a:p>
             <a:fld id="{75AFA9B6-ED5F-4699-BA4F-BBD7691DE064}" type="datetimeFigureOut">
               <a:rPr lang="en-US" smtClean="0"/>
+              <a:t>10/18/2016</a:t>
             </a:fld>
             <a:endParaRPr lang="en-US"/>
           </a:p>
@@ -2874,6 +2827,7 @@
           <a:p>
             <a:fld id="{954A5F3A-B271-4989-9218-B4AFFE8B7741}" type="slidenum">
               <a:rPr lang="en-US" smtClean="0"/>
+              <a:t>‹#›</a:t>
             </a:fld>
             <a:endParaRPr lang="en-US"/>
           </a:p>
@@ -2921,6 +2875,7 @@
           <a:p>
             <a:fld id="{75AFA9B6-ED5F-4699-BA4F-BBD7691DE064}" type="datetimeFigureOut">
               <a:rPr lang="en-US" smtClean="0"/>
+              <a:t>10/18/2016</a:t>
             </a:fld>
             <a:endParaRPr lang="en-US"/>
           </a:p>
@@ -2962,6 +2917,7 @@
           <a:p>
             <a:fld id="{954A5F3A-B271-4989-9218-B4AFFE8B7741}" type="slidenum">
               <a:rPr lang="en-US" smtClean="0"/>
+              <a:t>‹#›</a:t>
             </a:fld>
             <a:endParaRPr lang="en-US"/>
           </a:p>
@@ -3077,7 +3033,6 @@
               <a:rPr lang="en-US" smtClean="0"/>
               <a:t>Edit Master text styles</a:t>
             </a:r>
-            <a:endParaRPr lang="en-US" smtClean="0"/>
           </a:p>
           <a:p>
             <a:pPr lvl="1"/>
@@ -3085,7 +3040,6 @@
               <a:rPr lang="en-US" smtClean="0"/>
               <a:t>Second level</a:t>
             </a:r>
-            <a:endParaRPr lang="en-US" smtClean="0"/>
           </a:p>
           <a:p>
             <a:pPr lvl="2"/>
@@ -3093,7 +3047,6 @@
               <a:rPr lang="en-US" smtClean="0"/>
               <a:t>Third level</a:t>
             </a:r>
-            <a:endParaRPr lang="en-US" smtClean="0"/>
           </a:p>
           <a:p>
             <a:pPr lvl="3"/>
@@ -3101,7 +3054,6 @@
               <a:rPr lang="en-US" smtClean="0"/>
               <a:t>Fourth level</a:t>
             </a:r>
-            <a:endParaRPr lang="en-US" smtClean="0"/>
           </a:p>
           <a:p>
             <a:pPr lvl="4"/>
@@ -3175,7 +3127,6 @@
               <a:rPr lang="en-US" smtClean="0"/>
               <a:t>Edit Master text styles</a:t>
             </a:r>
-            <a:endParaRPr lang="en-US" smtClean="0"/>
           </a:p>
         </p:txBody>
       </p:sp>
@@ -3196,6 +3147,7 @@
           <a:p>
             <a:fld id="{75AFA9B6-ED5F-4699-BA4F-BBD7691DE064}" type="datetimeFigureOut">
               <a:rPr lang="en-US" smtClean="0"/>
+              <a:t>10/18/2016</a:t>
             </a:fld>
             <a:endParaRPr lang="en-US"/>
           </a:p>
@@ -3237,6 +3189,7 @@
           <a:p>
             <a:fld id="{954A5F3A-B271-4989-9218-B4AFFE8B7741}" type="slidenum">
               <a:rPr lang="en-US" smtClean="0"/>
+              <a:t>‹#›</a:t>
             </a:fld>
             <a:endParaRPr lang="en-US"/>
           </a:p>
@@ -3422,7 +3375,6 @@
               <a:rPr lang="en-US" smtClean="0"/>
               <a:t>Edit Master text styles</a:t>
             </a:r>
-            <a:endParaRPr lang="en-US" smtClean="0"/>
           </a:p>
         </p:txBody>
       </p:sp>
@@ -3443,6 +3395,7 @@
           <a:p>
             <a:fld id="{75AFA9B6-ED5F-4699-BA4F-BBD7691DE064}" type="datetimeFigureOut">
               <a:rPr lang="en-US" smtClean="0"/>
+              <a:t>10/18/2016</a:t>
             </a:fld>
             <a:endParaRPr lang="en-US"/>
           </a:p>
@@ -3484,6 +3437,7 @@
           <a:p>
             <a:fld id="{954A5F3A-B271-4989-9218-B4AFFE8B7741}" type="slidenum">
               <a:rPr lang="en-US" smtClean="0"/>
+              <a:t>‹#›</a:t>
             </a:fld>
             <a:endParaRPr lang="en-US"/>
           </a:p>
@@ -3582,7 +3536,6 @@
               <a:rPr lang="en-US" smtClean="0"/>
               <a:t>Edit Master text styles</a:t>
             </a:r>
-            <a:endParaRPr lang="en-US" smtClean="0"/>
           </a:p>
           <a:p>
             <a:pPr lvl="1"/>
@@ -3590,7 +3543,6 @@
               <a:rPr lang="en-US" smtClean="0"/>
               <a:t>Second level</a:t>
             </a:r>
-            <a:endParaRPr lang="en-US" smtClean="0"/>
           </a:p>
           <a:p>
             <a:pPr lvl="2"/>
@@ -3598,7 +3550,6 @@
               <a:rPr lang="en-US" smtClean="0"/>
               <a:t>Third level</a:t>
             </a:r>
-            <a:endParaRPr lang="en-US" smtClean="0"/>
           </a:p>
           <a:p>
             <a:pPr lvl="3"/>
@@ -3606,7 +3557,6 @@
               <a:rPr lang="en-US" smtClean="0"/>
               <a:t>Fourth level</a:t>
             </a:r>
-            <a:endParaRPr lang="en-US" smtClean="0"/>
           </a:p>
           <a:p>
             <a:pPr lvl="4"/>
@@ -3653,6 +3603,7 @@
           <a:p>
             <a:fld id="{75AFA9B6-ED5F-4699-BA4F-BBD7691DE064}" type="datetimeFigureOut">
               <a:rPr lang="en-US" smtClean="0"/>
+              <a:t>10/18/2016</a:t>
             </a:fld>
             <a:endParaRPr lang="en-US"/>
           </a:p>
@@ -3730,6 +3681,7 @@
           <a:p>
             <a:fld id="{954A5F3A-B271-4989-9218-B4AFFE8B7741}" type="slidenum">
               <a:rPr lang="en-US" smtClean="0"/>
+              <a:t>‹#›</a:t>
             </a:fld>
             <a:endParaRPr lang="en-US"/>
           </a:p>
@@ -4093,7 +4045,6 @@
               <a:rPr lang="en-US" dirty="0" smtClean="0"/>
               <a:t>Anthony Chen</a:t>
             </a:r>
-            <a:endParaRPr lang="en-US" dirty="0" smtClean="0"/>
           </a:p>
           <a:p>
             <a:r>
@@ -4215,7 +4166,6 @@
               <a:rPr lang="en-US" sz="2100" dirty="0" smtClean="0"/>
               <a:t>-me/react-testing-demo</a:t>
             </a:r>
-            <a:endParaRPr lang="en-US" sz="2100" dirty="0" smtClean="0"/>
           </a:p>
           <a:p>
             <a:pPr marL="0" indent="0">
@@ -4229,7 +4179,6 @@
               <a:rPr lang="en-US" sz="2100" dirty="0" smtClean="0"/>
               <a:t> start</a:t>
             </a:r>
-            <a:endParaRPr lang="en-US" sz="2100" dirty="0" smtClean="0"/>
           </a:p>
           <a:p>
             <a:pPr marL="0" indent="0">
@@ -4243,7 +4192,6 @@
               <a:rPr lang="en-US" sz="2100" dirty="0" smtClean="0"/>
               <a:t> test</a:t>
             </a:r>
-            <a:endParaRPr lang="en-US" sz="2100" dirty="0" smtClean="0"/>
           </a:p>
           <a:p>
             <a:pPr marL="0" indent="0">
@@ -4262,7 +4210,7 @@
           <p:nvPr/>
         </p:nvPicPr>
         <p:blipFill>
-          <a:blip r:embed="rId1"/>
+          <a:blip r:embed="rId2"/>
           <a:stretch>
             <a:fillRect/>
           </a:stretch>
@@ -5312,16 +5260,6 @@
               </a:rPr>
               <a:t>  },</a:t>
             </a:r>
-            <a:endParaRPr kumimoji="0" lang="en-US" altLang="en-US" b="0" i="0" u="none" strike="noStrike" cap="none" normalizeH="0" baseline="0" dirty="0" smtClean="0">
-              <a:ln>
-                <a:noFill/>
-              </a:ln>
-              <a:solidFill>
-                <a:srgbClr val="000000"/>
-              </a:solidFill>
-              <a:effectLst/>
-              <a:latin typeface="Consolas" panose="020B0609020204030204" pitchFamily="49" charset="0"/>
-            </a:endParaRPr>
           </a:p>
           <a:p>
             <a:pPr marL="0" marR="0" lvl="0" indent="0" algn="l" defTabSz="914400" rtl="0" eaLnBrk="0" fontAlgn="base" latinLnBrk="0" hangingPunct="0">
@@ -5348,12 +5286,6 @@
               </a:rPr>
               <a:t>…</a:t>
             </a:r>
-            <a:endParaRPr lang="en-US" altLang="en-US" dirty="0" smtClean="0">
-              <a:solidFill>
-                <a:srgbClr val="000000"/>
-              </a:solidFill>
-              <a:latin typeface="Consolas" panose="020B0609020204030204" pitchFamily="49" charset="0"/>
-            </a:endParaRPr>
           </a:p>
           <a:p>
             <a:pPr marL="0" marR="0" lvl="0" indent="0" algn="l" defTabSz="914400" rtl="0" eaLnBrk="0" fontAlgn="base" latinLnBrk="0" hangingPunct="0">
@@ -5449,7 +5381,6 @@
               <a:rPr lang="zh-CN" altLang="en-US" b="1" dirty="0"/>
               <a:t>浅渲染</a:t>
             </a:r>
-            <a:endParaRPr lang="zh-CN" altLang="en-US" b="1" dirty="0"/>
           </a:p>
         </p:txBody>
       </p:sp>
@@ -5471,7 +5402,7 @@
         </p:spPr>
         <p:txBody>
           <a:bodyPr>
-            <a:normAutofit fontScale="92500"/>
+            <a:normAutofit lnSpcReduction="10000"/>
           </a:bodyPr>
           <a:lstStyle/>
           <a:p>
@@ -5491,7 +5422,6 @@
               <a:rPr lang="en-US" altLang="zh-CN" b="1" dirty="0" smtClean="0"/>
               <a:t>). Fast. </a:t>
             </a:r>
-            <a:endParaRPr lang="en-US" altLang="zh-CN" b="1" dirty="0" smtClean="0"/>
           </a:p>
           <a:p>
             <a:endParaRPr lang="en-US" altLang="zh-CN" dirty="0"/>
@@ -5519,7 +5449,6 @@
               <a:rPr lang="en-US" altLang="zh-CN" b="1" dirty="0" smtClean="0"/>
               <a:t>Pass value</a:t>
             </a:r>
-            <a:endParaRPr lang="en-US" altLang="zh-CN" b="1" dirty="0" smtClean="0"/>
           </a:p>
           <a:p>
             <a:pPr lvl="1"/>
@@ -5544,7 +5473,7 @@
           <p:nvPr/>
         </p:nvPicPr>
         <p:blipFill>
-          <a:blip r:embed="rId1"/>
+          <a:blip r:embed="rId3"/>
           <a:stretch>
             <a:fillRect/>
           </a:stretch>
@@ -5604,7 +5533,7 @@
         <p:spPr/>
         <p:txBody>
           <a:bodyPr>
-            <a:normAutofit fontScale="90000"/>
+            <a:normAutofit/>
           </a:bodyPr>
           <a:lstStyle/>
           <a:p>
@@ -5618,11 +5547,7 @@
             </a:r>
             <a:r>
               <a:rPr lang="zh-CN" altLang="en-US" b="1" dirty="0"/>
-              <a:t>渲染到</a:t>
-            </a:r>
-            <a:r>
-              <a:rPr lang="zh-CN" altLang="en-US" b="1" dirty="0"/>
-              <a:t>真实</a:t>
+              <a:t>渲染到真实</a:t>
             </a:r>
             <a:r>
               <a:rPr lang="en-US" b="1" dirty="0" smtClean="0"/>
@@ -5655,7 +5580,6 @@
               <a:rPr lang="en-US" b="1" dirty="0" smtClean="0"/>
               <a:t>window, document and navigator. </a:t>
             </a:r>
-            <a:endParaRPr lang="en-US" b="1" dirty="0" smtClean="0"/>
           </a:p>
           <a:p>
             <a:endParaRPr lang="en-US" b="1" dirty="0"/>
@@ -5847,6 +5771,19 @@
                 <a:latin typeface="Consolas" panose="020B0609020204030204" pitchFamily="49" charset="0"/>
               </a:rPr>
             </a:br>
+            <a:r>
+              <a:rPr kumimoji="0" lang="en-US" altLang="en-US" sz="2800" b="0" i="0" u="none" strike="noStrike" cap="none" normalizeH="0" baseline="0" dirty="0" smtClean="0">
+                <a:ln>
+                  <a:noFill/>
+                </a:ln>
+                <a:solidFill>
+                  <a:srgbClr val="000000"/>
+                </a:solidFill>
+                <a:effectLst/>
+                <a:latin typeface="Consolas" panose="020B0609020204030204" pitchFamily="49" charset="0"/>
+              </a:rPr>
+              <a:t/>
+            </a:r>
             <a:br>
               <a:rPr kumimoji="0" lang="en-US" altLang="en-US" sz="2800" b="0" i="0" u="none" strike="noStrike" cap="none" normalizeH="0" baseline="0" dirty="0" smtClean="0">
                 <a:ln>
@@ -6092,16 +6029,6 @@
               </a:rPr>
               <a:t>(</a:t>
             </a:r>
-            <a:endParaRPr kumimoji="0" lang="en-US" altLang="en-US" sz="2800" b="0" i="0" u="none" strike="noStrike" cap="none" normalizeH="0" baseline="0" dirty="0" smtClean="0">
-              <a:ln>
-                <a:noFill/>
-              </a:ln>
-              <a:solidFill>
-                <a:srgbClr val="000000"/>
-              </a:solidFill>
-              <a:effectLst/>
-              <a:latin typeface="Consolas" panose="020B0609020204030204" pitchFamily="49" charset="0"/>
-            </a:endParaRPr>
           </a:p>
           <a:p>
             <a:pPr lvl="0" eaLnBrk="0" fontAlgn="base" hangingPunct="0">
@@ -6620,7 +6547,7 @@
         <p:spPr/>
         <p:txBody>
           <a:bodyPr>
-            <a:normAutofit fontScale="90000"/>
+            <a:normAutofit/>
           </a:bodyPr>
           <a:lstStyle/>
           <a:p>
@@ -6669,7 +6596,6 @@
               <a:rPr lang="en-US" b="1" dirty="0" smtClean="0"/>
               <a:t>How to query specific DOM element? </a:t>
             </a:r>
-            <a:endParaRPr lang="en-US" b="1" dirty="0" smtClean="0"/>
           </a:p>
           <a:p>
             <a:pPr marL="0" indent="0">
@@ -6719,7 +6645,6 @@
               <a:rPr lang="en-US" b="1" dirty="0"/>
               <a:t>)</a:t>
             </a:r>
-            <a:endParaRPr lang="en-US" b="1" dirty="0"/>
           </a:p>
           <a:p>
             <a:pPr lvl="1"/>
@@ -6755,7 +6680,6 @@
               <a:rPr lang="en-US" b="1" dirty="0"/>
               <a:t>)	</a:t>
             </a:r>
-            <a:endParaRPr lang="en-US" b="1" dirty="0"/>
           </a:p>
           <a:p>
             <a:pPr marL="0" indent="0">
@@ -6768,7 +6692,6 @@
               <a:rPr lang="en-US" b="1" dirty="0" smtClean="0"/>
               <a:t>Simulate Click</a:t>
             </a:r>
-            <a:endParaRPr lang="en-US" b="1" dirty="0" smtClean="0"/>
           </a:p>
           <a:p>
             <a:pPr marL="0" indent="0">
@@ -6800,6 +6723,15 @@
             <a:pPr marL="0" indent="0">
               <a:buNone/>
             </a:pPr>
+            <a:r>
+              <a:rPr lang="en-US" altLang="en-US" sz="1700" dirty="0">
+                <a:solidFill>
+                  <a:srgbClr val="000000"/>
+                </a:solidFill>
+                <a:latin typeface="Consolas" panose="020B0609020204030204" pitchFamily="49" charset="0"/>
+              </a:rPr>
+              <a:t/>
+            </a:r>
             <a:br>
               <a:rPr lang="en-US" altLang="en-US" sz="1700" dirty="0">
                 <a:solidFill>
@@ -6911,7 +6843,6 @@
               <a:rPr lang="en-US" b="1" dirty="0" smtClean="0"/>
               <a:t>3 Usages</a:t>
             </a:r>
-            <a:endParaRPr lang="en-US" b="1" dirty="0" smtClean="0"/>
           </a:p>
           <a:p>
             <a:pPr marL="0" indent="0">
@@ -6941,7 +6872,6 @@
               <a:rPr lang="en-US" dirty="0" smtClean="0"/>
               <a:t>. </a:t>
             </a:r>
-            <a:endParaRPr lang="en-US" dirty="0" smtClean="0"/>
           </a:p>
           <a:p>
             <a:pPr lvl="1"/>
@@ -6981,7 +6911,6 @@
               <a:rPr lang="en-US" dirty="0" smtClean="0"/>
               <a:t>. </a:t>
             </a:r>
-            <a:endParaRPr lang="en-US" dirty="0" smtClean="0"/>
           </a:p>
           <a:p>
             <a:pPr lvl="1"/>
@@ -7053,11 +6982,6 @@
               </a:rPr>
               <a:t>run these unit test and report the result. </a:t>
             </a:r>
-            <a:endParaRPr lang="en-US" dirty="0" smtClean="0">
-              <a:solidFill>
-                <a:srgbClr val="0070C0"/>
-              </a:solidFill>
-            </a:endParaRPr>
           </a:p>
         </p:txBody>
       </p:sp>
@@ -7184,7 +7108,7 @@
           <p:nvPr/>
         </p:nvPicPr>
         <p:blipFill>
-          <a:blip r:embed="rId1"/>
+          <a:blip r:embed="rId3"/>
           <a:stretch>
             <a:fillRect/>
           </a:stretch>
@@ -7273,14 +7197,12 @@
               <a:rPr lang="en-US" b="1"/>
               <a:t>Preparation Curve</a:t>
             </a:r>
-            <a:endParaRPr lang="en-US" b="1"/>
           </a:p>
           <a:p>
             <a:r>
               <a:rPr lang="en-US" b="1"/>
               <a:t>Self-study coding vs. Project coding</a:t>
             </a:r>
-            <a:endParaRPr lang="en-US" b="1"/>
           </a:p>
           <a:p>
             <a:endParaRPr lang="en-US" b="1"/>
@@ -7311,7 +7233,14 @@
         <p:cNvGrpSpPr/>
         <p:nvPr/>
       </p:nvGrpSpPr>
-      <p:grpSpPr/>
+      <p:grpSpPr>
+        <a:xfrm>
+          <a:off x="0" y="0"/>
+          <a:ext cx="0" cy="0"/>
+          <a:chOff x="0" y="0"/>
+          <a:chExt cx="0" cy="0"/>
+        </a:xfrm>
+      </p:grpSpPr>
       <p:sp>
         <p:nvSpPr>
           <p:cNvPr id="2" name="标题 1"/>
@@ -7325,6 +7254,7 @@
         <p:spPr/>
         <p:txBody>
           <a:bodyPr/>
+          <a:lstStyle/>
           <a:p>
             <a:endParaRPr lang="zh-CN" altLang="en-US"/>
           </a:p>
@@ -7334,14 +7264,14 @@
         <p:nvPicPr>
           <p:cNvPr id="4" name="内容占位符 3" descr="u=1900537719,392150163&amp;fm=21&amp;gp=0"/>
           <p:cNvPicPr>
-            <a:picLocks noChangeAspect="1"/>
+            <a:picLocks noGrp="1" noChangeAspect="1"/>
           </p:cNvPicPr>
           <p:nvPr>
             <p:ph idx="1"/>
           </p:nvPr>
         </p:nvPicPr>
         <p:blipFill>
-          <a:blip r:embed="rId1"/>
+          <a:blip r:embed="rId2"/>
           <a:stretch>
             <a:fillRect/>
           </a:stretch>
@@ -7411,25 +7341,25 @@
             </a:r>
             <a:r>
               <a:rPr lang="en-US" b="1" dirty="0" smtClean="0">
-                <a:hlinkClick r:id="rId1"/>
+                <a:hlinkClick r:id="rId2"/>
               </a:rPr>
               <a:t>chaijs.com/</a:t>
             </a:r>
             <a:r>
               <a:rPr lang="en-US" b="1" dirty="0" err="1" smtClean="0">
-                <a:hlinkClick r:id="rId1"/>
+                <a:hlinkClick r:id="rId2"/>
               </a:rPr>
               <a:t>api</a:t>
             </a:r>
             <a:r>
               <a:rPr lang="en-US" b="1" dirty="0" smtClean="0">
-                <a:hlinkClick r:id="rId1"/>
+                <a:hlinkClick r:id="rId2"/>
               </a:rPr>
               <a:t>/assert</a:t>
             </a:r>
             <a:r>
               <a:rPr lang="en-US" b="1" dirty="0">
-                <a:hlinkClick r:id="rId1"/>
+                <a:hlinkClick r:id="rId2"/>
               </a:rPr>
               <a:t>/</a:t>
             </a:r>
@@ -7437,7 +7367,6 @@
               <a:rPr lang="en-US" b="1" dirty="0"/>
               <a:t>)</a:t>
             </a:r>
-            <a:endParaRPr lang="en-US" b="1" dirty="0"/>
           </a:p>
         </p:txBody>
       </p:sp>
@@ -7625,6 +7554,19 @@
                 <a:latin typeface="Consolas" panose="020B0609020204030204" pitchFamily="49" charset="0"/>
               </a:rPr>
             </a:br>
+            <a:r>
+              <a:rPr kumimoji="0" lang="en-US" altLang="en-US" sz="2400" b="0" i="0" u="none" strike="noStrike" cap="none" normalizeH="0" baseline="0" dirty="0" smtClean="0">
+                <a:ln>
+                  <a:noFill/>
+                </a:ln>
+                <a:solidFill>
+                  <a:srgbClr val="000000"/>
+                </a:solidFill>
+                <a:effectLst/>
+                <a:latin typeface="Consolas" panose="020B0609020204030204" pitchFamily="49" charset="0"/>
+              </a:rPr>
+              <a:t/>
+            </a:r>
             <a:br>
               <a:rPr kumimoji="0" lang="en-US" altLang="en-US" sz="2400" b="0" i="0" u="none" strike="noStrike" cap="none" normalizeH="0" baseline="0" dirty="0" smtClean="0">
                 <a:ln>
@@ -7856,16 +7798,6 @@
               </a:rPr>
               <a:t>, </a:t>
             </a:r>
-            <a:endParaRPr kumimoji="0" lang="en-US" altLang="en-US" sz="2400" b="0" i="0" u="none" strike="noStrike" cap="none" normalizeH="0" baseline="0" dirty="0" smtClean="0">
-              <a:ln>
-                <a:noFill/>
-              </a:ln>
-              <a:solidFill>
-                <a:srgbClr val="000000"/>
-              </a:solidFill>
-              <a:effectLst/>
-              <a:latin typeface="Consolas" panose="020B0609020204030204" pitchFamily="49" charset="0"/>
-            </a:endParaRPr>
           </a:p>
           <a:p>
             <a:pPr marL="0" marR="0" lvl="0" indent="0" algn="l" defTabSz="914400" rtl="0" eaLnBrk="0" fontAlgn="base" latinLnBrk="0" hangingPunct="0">
@@ -8309,21 +8241,18 @@
               <a:rPr lang="en-US" b="1" dirty="0" smtClean="0"/>
               <a:t>Look like a computer expert</a:t>
             </a:r>
-            <a:endParaRPr lang="en-US" b="1" dirty="0" smtClean="0"/>
           </a:p>
           <a:p>
             <a:r>
               <a:rPr lang="en-US" b="1" dirty="0" smtClean="0"/>
               <a:t>Look like extreme</a:t>
             </a:r>
-            <a:endParaRPr lang="en-US" b="1" dirty="0" smtClean="0"/>
           </a:p>
           <a:p>
             <a:r>
               <a:rPr lang="en-US" b="1" dirty="0" smtClean="0"/>
               <a:t>Refuse legacy code</a:t>
             </a:r>
-            <a:endParaRPr lang="en-US" b="1" dirty="0" smtClean="0"/>
           </a:p>
           <a:p>
             <a:endParaRPr lang="en-US" dirty="0" smtClean="0"/>
@@ -8410,21 +8339,18 @@
               <a:rPr lang="en-US" b="1" dirty="0" smtClean="0"/>
               <a:t>Useless</a:t>
             </a:r>
-            <a:endParaRPr lang="en-US" b="1" dirty="0" smtClean="0"/>
           </a:p>
           <a:p>
             <a:r>
               <a:rPr lang="en-US" b="1" dirty="0" smtClean="0"/>
               <a:t>Don’t know how to do it</a:t>
             </a:r>
-            <a:endParaRPr lang="en-US" b="1" dirty="0" smtClean="0"/>
           </a:p>
           <a:p>
             <a:r>
               <a:rPr lang="en-US" b="1" dirty="0" smtClean="0"/>
               <a:t>Too much additional effort</a:t>
             </a:r>
-            <a:endParaRPr lang="en-US" b="1" dirty="0" smtClean="0"/>
           </a:p>
           <a:p>
             <a:r>
@@ -8529,7 +8455,6 @@
               <a:rPr lang="en-US" b="1" dirty="0" smtClean="0"/>
               <a:t>Able to access each layer</a:t>
             </a:r>
-            <a:endParaRPr lang="en-US" b="1" dirty="0" smtClean="0"/>
           </a:p>
           <a:p>
             <a:pPr marL="0" indent="0">
@@ -8559,11 +8484,6 @@
               </a:rPr>
               <a:t>Mocha</a:t>
             </a:r>
-            <a:endParaRPr lang="en-US" dirty="0" smtClean="0">
-              <a:solidFill>
-                <a:srgbClr val="00B050"/>
-              </a:solidFill>
-            </a:endParaRPr>
           </a:p>
           <a:p>
             <a:pPr lvl="1"/>
@@ -8587,11 +8507,6 @@
               </a:rPr>
               <a:t>Mock http</a:t>
             </a:r>
-            <a:endParaRPr lang="en-US" dirty="0" smtClean="0">
-              <a:solidFill>
-                <a:srgbClr val="00B050"/>
-              </a:solidFill>
-            </a:endParaRPr>
           </a:p>
           <a:p>
             <a:pPr lvl="1"/>
@@ -8615,11 +8530,6 @@
               </a:rPr>
               <a:t>Mocha in Browser</a:t>
             </a:r>
-            <a:endParaRPr lang="en-US" dirty="0" smtClean="0">
-              <a:solidFill>
-                <a:srgbClr val="00B050"/>
-              </a:solidFill>
-            </a:endParaRPr>
           </a:p>
           <a:p>
             <a:pPr lvl="1"/>
@@ -8643,11 +8553,6 @@
               </a:rPr>
               <a:t>React Component</a:t>
             </a:r>
-            <a:endParaRPr lang="en-US" dirty="0" smtClean="0">
-              <a:solidFill>
-                <a:srgbClr val="00B050"/>
-              </a:solidFill>
-            </a:endParaRPr>
           </a:p>
           <a:p>
             <a:pPr lvl="1"/>
@@ -8671,11 +8576,6 @@
               </a:rPr>
               <a:t>Phantom, Selenium</a:t>
             </a:r>
-            <a:endParaRPr lang="en-US" dirty="0" smtClean="0">
-              <a:solidFill>
-                <a:srgbClr val="00B050"/>
-              </a:solidFill>
-            </a:endParaRPr>
           </a:p>
           <a:p>
             <a:pPr lvl="1"/>
@@ -8691,7 +8591,6 @@
               <a:rPr lang="en-US" dirty="0" smtClean="0"/>
               <a:t>(?)</a:t>
             </a:r>
-            <a:endParaRPr lang="en-US" dirty="0" smtClean="0"/>
           </a:p>
           <a:p>
             <a:pPr lvl="1"/>
@@ -8707,7 +8606,6 @@
               <a:rPr lang="en-US" dirty="0" smtClean="0"/>
               <a:t>(?)</a:t>
             </a:r>
-            <a:endParaRPr lang="en-US" dirty="0" smtClean="0"/>
           </a:p>
           <a:p>
             <a:pPr lvl="1"/>
@@ -8793,13 +8691,13 @@
           <a:p>
             <a:r>
               <a:rPr lang="en-US" dirty="0">
-                <a:hlinkClick r:id="rId1"/>
+                <a:hlinkClick r:id="rId3"/>
               </a:rPr>
               <a:t>http://</a:t>
             </a:r>
             <a:r>
               <a:rPr lang="en-US" dirty="0" smtClean="0">
-                <a:hlinkClick r:id="rId1"/>
+                <a:hlinkClick r:id="rId3"/>
               </a:rPr>
               <a:t>10.22.16.61:5555/square?a=20</a:t>
             </a:r>
@@ -8862,59 +8760,36 @@
               <a:rPr lang="en-US" sz="1800" dirty="0"/>
               <a:t>/index-square.js</a:t>
             </a:r>
-            <a:endParaRPr lang="en-US" sz="1800" dirty="0"/>
           </a:p>
           <a:p>
             <a:endParaRPr lang="en-US" dirty="0"/>
           </a:p>
         </p:txBody>
       </p:sp>
-      <p:graphicFrame>
-        <p:nvGraphicFramePr>
-          <p:cNvPr id="4" name="对象 3"/>
-          <p:cNvGraphicFramePr/>
+      <p:pic>
+        <p:nvPicPr>
+          <p:cNvPr id="5" name="Picture 4"/>
+          <p:cNvPicPr>
+            <a:picLocks noChangeAspect="1"/>
+          </p:cNvPicPr>
           <p:nvPr/>
-        </p:nvGraphicFramePr>
-        <p:xfrm>
-          <a:off x="2882900" y="2522855"/>
-          <a:ext cx="5760720" cy="2179955"/>
-        </p:xfrm>
-        <a:graphic>
-          <a:graphicData uri="http://schemas.openxmlformats.org/presentationml/2006/ole">
-            <mc:AlternateContent xmlns:mc="http://schemas.openxmlformats.org/markup-compatibility/2006">
-              <mc:Choice xmlns:v="urn:schemas-microsoft-com:vml" Requires="v">
-                <p:oleObj spid="_x0000_s5" name="" r:id="rId2" imgW="4029075" imgH="1466850" progId="Paint.Picture">
-                  <p:embed/>
-                </p:oleObj>
-              </mc:Choice>
-              <mc:Fallback>
-                <p:oleObj name="" r:id="rId2" imgW="4029075" imgH="1466850" progId="Paint.Picture">
-                  <p:embed/>
-                  <p:pic>
-                    <p:nvPicPr>
-                      <p:cNvPr id="0" name="图片 4"/>
-                      <p:cNvPicPr/>
-                      <p:nvPr/>
-                    </p:nvPicPr>
-                    <p:blipFill>
-                      <a:blip r:embed="rId3"/>
-                    </p:blipFill>
-                    <p:spPr>
-                      <a:xfrm>
-                        <a:off x="2882900" y="2522855"/>
-                        <a:ext cx="5760720" cy="2179955"/>
-                      </a:xfrm>
-                      <a:prstGeom prst="rect">
-                        <a:avLst/>
-                      </a:prstGeom>
-                    </p:spPr>
-                  </p:pic>
-                </p:oleObj>
-              </mc:Fallback>
-            </mc:AlternateContent>
-          </a:graphicData>
-        </a:graphic>
-      </p:graphicFrame>
+        </p:nvPicPr>
+        <p:blipFill>
+          <a:blip r:embed="rId4"/>
+          <a:stretch>
+            <a:fillRect/>
+          </a:stretch>
+        </p:blipFill>
+        <p:spPr>
+          <a:xfrm>
+            <a:off x="2233924" y="2244808"/>
+            <a:ext cx="6370430" cy="3273130"/>
+          </a:xfrm>
+          <a:prstGeom prst="rect">
+            <a:avLst/>
+          </a:prstGeom>
+        </p:spPr>
+      </p:pic>
     </p:spTree>
   </p:cSld>
   <p:clrMapOvr>
@@ -9977,16 +9852,6 @@
               </a:rPr>
               <a:t>);</a:t>
             </a:r>
-            <a:endParaRPr kumimoji="0" lang="en-US" altLang="en-US" sz="2400" b="0" i="0" u="none" strike="noStrike" cap="none" normalizeH="0" baseline="0" dirty="0" smtClean="0">
-              <a:ln>
-                <a:noFill/>
-              </a:ln>
-              <a:solidFill>
-                <a:srgbClr val="000000"/>
-              </a:solidFill>
-              <a:effectLst/>
-              <a:latin typeface="Consolas" panose="020B0609020204030204" pitchFamily="49" charset="0"/>
-            </a:endParaRPr>
           </a:p>
           <a:p>
             <a:pPr marL="0" marR="0" lvl="0" indent="0" algn="l" defTabSz="914400" rtl="0" eaLnBrk="0" fontAlgn="base" latinLnBrk="0" hangingPunct="0">
@@ -10162,7 +10027,6 @@
               <a:rPr lang="en-US" sz="1800" dirty="0"/>
               <a:t>D:\Doc\Dev\javascript-me\mocha-in-browser\index.html</a:t>
             </a:r>
-            <a:endParaRPr lang="en-US" sz="1800" dirty="0"/>
           </a:p>
         </p:txBody>
       </p:sp>
@@ -10175,7 +10039,7 @@
           <p:nvPr/>
         </p:nvPicPr>
         <p:blipFill>
-          <a:blip r:embed="rId1"/>
+          <a:blip r:embed="rId2"/>
           <a:stretch>
             <a:fillRect/>
           </a:stretch>

--- a/JS Test.pptx
+++ b/JS Test.pptx
@@ -6544,7 +6544,12 @@
             <p:ph type="title"/>
           </p:nvPr>
         </p:nvSpPr>
-        <p:spPr/>
+        <p:spPr>
+          <a:xfrm>
+            <a:off x="838199" y="365125"/>
+            <a:ext cx="10695915" cy="1325563"/>
+          </a:xfrm>
+        </p:spPr>
         <p:txBody>
           <a:bodyPr>
             <a:normAutofit/>
@@ -8251,8 +8256,13 @@
           <a:p>
             <a:r>
               <a:rPr lang="en-US" b="1" dirty="0" smtClean="0"/>
-              <a:t>Refuse legacy code</a:t>
-            </a:r>
+              <a:t>Refuse legacy code </a:t>
+            </a:r>
+            <a:r>
+              <a:rPr lang="en-US" b="1" smtClean="0"/>
+              <a:t>-&gt; Better code</a:t>
+            </a:r>
+            <a:endParaRPr lang="en-US" b="1" dirty="0" smtClean="0"/>
           </a:p>
           <a:p>
             <a:endParaRPr lang="en-US" dirty="0" smtClean="0"/>

--- a/JS Test.pptx
+++ b/JS Test.pptx
@@ -213,7 +213,7 @@
           <a:p>
             <a:fld id="{8DF4B637-EDD6-42B8-B6A9-084FBB3FE1D3}" type="datetimeFigureOut">
               <a:rPr lang="en-US" smtClean="0"/>
-              <a:t>10/18/2016</a:t>
+              <a:t>10/20/2016</a:t>
             </a:fld>
             <a:endParaRPr lang="en-US"/>
           </a:p>
@@ -1337,7 +1337,7 @@
           <a:p>
             <a:fld id="{75AFA9B6-ED5F-4699-BA4F-BBD7691DE064}" type="datetimeFigureOut">
               <a:rPr lang="en-US" smtClean="0"/>
-              <a:t>10/18/2016</a:t>
+              <a:t>10/20/2016</a:t>
             </a:fld>
             <a:endParaRPr lang="en-US"/>
           </a:p>
@@ -1502,7 +1502,7 @@
           <a:p>
             <a:fld id="{75AFA9B6-ED5F-4699-BA4F-BBD7691DE064}" type="datetimeFigureOut">
               <a:rPr lang="en-US" smtClean="0"/>
-              <a:t>10/18/2016</a:t>
+              <a:t>10/20/2016</a:t>
             </a:fld>
             <a:endParaRPr lang="en-US"/>
           </a:p>
@@ -1677,7 +1677,7 @@
           <a:p>
             <a:fld id="{75AFA9B6-ED5F-4699-BA4F-BBD7691DE064}" type="datetimeFigureOut">
               <a:rPr lang="en-US" smtClean="0"/>
-              <a:t>10/18/2016</a:t>
+              <a:t>10/20/2016</a:t>
             </a:fld>
             <a:endParaRPr lang="en-US"/>
           </a:p>
@@ -1842,7 +1842,7 @@
           <a:p>
             <a:fld id="{75AFA9B6-ED5F-4699-BA4F-BBD7691DE064}" type="datetimeFigureOut">
               <a:rPr lang="en-US" smtClean="0"/>
-              <a:t>10/18/2016</a:t>
+              <a:t>10/20/2016</a:t>
             </a:fld>
             <a:endParaRPr lang="en-US"/>
           </a:p>
@@ -2083,7 +2083,7 @@
           <a:p>
             <a:fld id="{75AFA9B6-ED5F-4699-BA4F-BBD7691DE064}" type="datetimeFigureOut">
               <a:rPr lang="en-US" smtClean="0"/>
-              <a:t>10/18/2016</a:t>
+              <a:t>10/20/2016</a:t>
             </a:fld>
             <a:endParaRPr lang="en-US"/>
           </a:p>
@@ -2310,7 +2310,7 @@
           <a:p>
             <a:fld id="{75AFA9B6-ED5F-4699-BA4F-BBD7691DE064}" type="datetimeFigureOut">
               <a:rPr lang="en-US" smtClean="0"/>
-              <a:t>10/18/2016</a:t>
+              <a:t>10/20/2016</a:t>
             </a:fld>
             <a:endParaRPr lang="en-US"/>
           </a:p>
@@ -2672,7 +2672,7 @@
           <a:p>
             <a:fld id="{75AFA9B6-ED5F-4699-BA4F-BBD7691DE064}" type="datetimeFigureOut">
               <a:rPr lang="en-US" smtClean="0"/>
-              <a:t>10/18/2016</a:t>
+              <a:t>10/20/2016</a:t>
             </a:fld>
             <a:endParaRPr lang="en-US"/>
           </a:p>
@@ -2785,7 +2785,7 @@
           <a:p>
             <a:fld id="{75AFA9B6-ED5F-4699-BA4F-BBD7691DE064}" type="datetimeFigureOut">
               <a:rPr lang="en-US" smtClean="0"/>
-              <a:t>10/18/2016</a:t>
+              <a:t>10/20/2016</a:t>
             </a:fld>
             <a:endParaRPr lang="en-US"/>
           </a:p>
@@ -2875,7 +2875,7 @@
           <a:p>
             <a:fld id="{75AFA9B6-ED5F-4699-BA4F-BBD7691DE064}" type="datetimeFigureOut">
               <a:rPr lang="en-US" smtClean="0"/>
-              <a:t>10/18/2016</a:t>
+              <a:t>10/20/2016</a:t>
             </a:fld>
             <a:endParaRPr lang="en-US"/>
           </a:p>
@@ -3147,7 +3147,7 @@
           <a:p>
             <a:fld id="{75AFA9B6-ED5F-4699-BA4F-BBD7691DE064}" type="datetimeFigureOut">
               <a:rPr lang="en-US" smtClean="0"/>
-              <a:t>10/18/2016</a:t>
+              <a:t>10/20/2016</a:t>
             </a:fld>
             <a:endParaRPr lang="en-US"/>
           </a:p>
@@ -3395,7 +3395,7 @@
           <a:p>
             <a:fld id="{75AFA9B6-ED5F-4699-BA4F-BBD7691DE064}" type="datetimeFigureOut">
               <a:rPr lang="en-US" smtClean="0"/>
-              <a:t>10/18/2016</a:t>
+              <a:t>10/20/2016</a:t>
             </a:fld>
             <a:endParaRPr lang="en-US"/>
           </a:p>
@@ -3603,7 +3603,7 @@
           <a:p>
             <a:fld id="{75AFA9B6-ED5F-4699-BA4F-BBD7691DE064}" type="datetimeFigureOut">
               <a:rPr lang="en-US" smtClean="0"/>
-              <a:t>10/18/2016</a:t>
+              <a:t>10/20/2016</a:t>
             </a:fld>
             <a:endParaRPr lang="en-US"/>
           </a:p>
